--- a/Dictionary DS.pptx
+++ b/Dictionary DS.pptx
@@ -332,7 +332,7 @@
           <a:p>
             <a:fld id="{D2610F17-72F0-4643-A0D4-038F936A4B4D}" type="datetimeFigureOut">
               <a:rPr lang="en-US" smtClean="0"/>
-              <a:t>1/11/20</a:t>
+              <a:t>2/25/20</a:t>
             </a:fld>
             <a:endParaRPr lang="en-US"/>
           </a:p>
@@ -623,7 +623,7 @@
           <a:p>
             <a:fld id="{D2610F17-72F0-4643-A0D4-038F936A4B4D}" type="datetimeFigureOut">
               <a:rPr lang="en-US" smtClean="0"/>
-              <a:t>1/11/20</a:t>
+              <a:t>2/25/20</a:t>
             </a:fld>
             <a:endParaRPr lang="en-US"/>
           </a:p>
@@ -882,7 +882,7 @@
           <a:p>
             <a:fld id="{D2610F17-72F0-4643-A0D4-038F936A4B4D}" type="datetimeFigureOut">
               <a:rPr lang="en-US" smtClean="0"/>
-              <a:t>1/11/20</a:t>
+              <a:t>2/25/20</a:t>
             </a:fld>
             <a:endParaRPr lang="en-US"/>
           </a:p>
@@ -1351,7 +1351,7 @@
           <a:p>
             <a:fld id="{D2610F17-72F0-4643-A0D4-038F936A4B4D}" type="datetimeFigureOut">
               <a:rPr lang="en-US" smtClean="0"/>
-              <a:t>1/11/20</a:t>
+              <a:t>2/25/20</a:t>
             </a:fld>
             <a:endParaRPr lang="en-US"/>
           </a:p>
@@ -1531,7 +1531,7 @@
           <a:p>
             <a:fld id="{D2610F17-72F0-4643-A0D4-038F936A4B4D}" type="datetimeFigureOut">
               <a:rPr lang="en-US" smtClean="0"/>
-              <a:t>1/11/20</a:t>
+              <a:t>2/25/20</a:t>
             </a:fld>
             <a:endParaRPr lang="en-US"/>
           </a:p>
@@ -2107,7 +2107,7 @@
           <a:p>
             <a:fld id="{D2610F17-72F0-4643-A0D4-038F936A4B4D}" type="datetimeFigureOut">
               <a:rPr lang="en-US" smtClean="0"/>
-              <a:t>1/11/20</a:t>
+              <a:t>2/25/20</a:t>
             </a:fld>
             <a:endParaRPr lang="en-US"/>
           </a:p>
@@ -2439,7 +2439,7 @@
           <a:p>
             <a:fld id="{D2610F17-72F0-4643-A0D4-038F936A4B4D}" type="datetimeFigureOut">
               <a:rPr lang="en-US" smtClean="0"/>
-              <a:t>1/11/20</a:t>
+              <a:t>2/25/20</a:t>
             </a:fld>
             <a:endParaRPr lang="en-US"/>
           </a:p>
@@ -2614,7 +2614,7 @@
           <a:p>
             <a:fld id="{D2610F17-72F0-4643-A0D4-038F936A4B4D}" type="datetimeFigureOut">
               <a:rPr lang="en-US" smtClean="0"/>
-              <a:t>1/11/20</a:t>
+              <a:t>2/25/20</a:t>
             </a:fld>
             <a:endParaRPr lang="en-US"/>
           </a:p>
@@ -2794,7 +2794,7 @@
           <a:p>
             <a:fld id="{D2610F17-72F0-4643-A0D4-038F936A4B4D}" type="datetimeFigureOut">
               <a:rPr lang="en-US" smtClean="0"/>
-              <a:t>1/11/20</a:t>
+              <a:t>2/25/20</a:t>
             </a:fld>
             <a:endParaRPr lang="en-US"/>
           </a:p>
@@ -2964,7 +2964,7 @@
           <a:p>
             <a:fld id="{D2610F17-72F0-4643-A0D4-038F936A4B4D}" type="datetimeFigureOut">
               <a:rPr lang="en-US" smtClean="0"/>
-              <a:t>1/11/20</a:t>
+              <a:t>2/25/20</a:t>
             </a:fld>
             <a:endParaRPr lang="en-US"/>
           </a:p>
@@ -3221,7 +3221,7 @@
           <a:p>
             <a:fld id="{D2610F17-72F0-4643-A0D4-038F936A4B4D}" type="datetimeFigureOut">
               <a:rPr lang="en-US" smtClean="0"/>
-              <a:t>1/11/20</a:t>
+              <a:t>2/25/20</a:t>
             </a:fld>
             <a:endParaRPr lang="en-US"/>
           </a:p>
@@ -3513,7 +3513,7 @@
           <a:p>
             <a:fld id="{D2610F17-72F0-4643-A0D4-038F936A4B4D}" type="datetimeFigureOut">
               <a:rPr lang="en-US" smtClean="0"/>
-              <a:t>1/11/20</a:t>
+              <a:t>2/25/20</a:t>
             </a:fld>
             <a:endParaRPr lang="en-US"/>
           </a:p>
@@ -3943,7 +3943,7 @@
           <a:p>
             <a:fld id="{D2610F17-72F0-4643-A0D4-038F936A4B4D}" type="datetimeFigureOut">
               <a:rPr lang="en-US" smtClean="0"/>
-              <a:t>1/11/20</a:t>
+              <a:t>2/25/20</a:t>
             </a:fld>
             <a:endParaRPr lang="en-US"/>
           </a:p>
@@ -4061,7 +4061,7 @@
           <a:p>
             <a:fld id="{D2610F17-72F0-4643-A0D4-038F936A4B4D}" type="datetimeFigureOut">
               <a:rPr lang="en-US" smtClean="0"/>
-              <a:t>1/11/20</a:t>
+              <a:t>2/25/20</a:t>
             </a:fld>
             <a:endParaRPr lang="en-US"/>
           </a:p>
@@ -4156,7 +4156,7 @@
           <a:p>
             <a:fld id="{D2610F17-72F0-4643-A0D4-038F936A4B4D}" type="datetimeFigureOut">
               <a:rPr lang="en-US" smtClean="0"/>
-              <a:t>1/11/20</a:t>
+              <a:t>2/25/20</a:t>
             </a:fld>
             <a:endParaRPr lang="en-US"/>
           </a:p>
@@ -4439,7 +4439,7 @@
           <a:p>
             <a:fld id="{D2610F17-72F0-4643-A0D4-038F936A4B4D}" type="datetimeFigureOut">
               <a:rPr lang="en-US" smtClean="0"/>
-              <a:t>1/11/20</a:t>
+              <a:t>2/25/20</a:t>
             </a:fld>
             <a:endParaRPr lang="en-US"/>
           </a:p>
@@ -4730,7 +4730,7 @@
           <a:p>
             <a:fld id="{D2610F17-72F0-4643-A0D4-038F936A4B4D}" type="datetimeFigureOut">
               <a:rPr lang="en-US" smtClean="0"/>
-              <a:t>1/11/20</a:t>
+              <a:t>2/25/20</a:t>
             </a:fld>
             <a:endParaRPr lang="en-US"/>
           </a:p>
@@ -4961,7 +4961,7 @@
           <a:p>
             <a:fld id="{D2610F17-72F0-4643-A0D4-038F936A4B4D}" type="datetimeFigureOut">
               <a:rPr lang="en-US" smtClean="0"/>
-              <a:t>1/11/20</a:t>
+              <a:t>2/25/20</a:t>
             </a:fld>
             <a:endParaRPr lang="en-US"/>
           </a:p>
@@ -6397,7 +6397,13 @@
               <a:rPr lang="en-US" sz="2000" dirty="0">
                 <a:effectLst/>
               </a:rPr>
-              <a:t>Dev C++</a:t>
+              <a:t>Dev C++/ </a:t>
+            </a:r>
+            <a:r>
+              <a:rPr lang="en-US" sz="2000">
+                <a:effectLst/>
+              </a:rPr>
+              <a:t>Sublime Text</a:t>
             </a:r>
             <a:endParaRPr lang="en-US" dirty="0">
               <a:effectLst/>
